--- a/figures/resources/script_run.pptx
+++ b/figures/resources/script_run.pptx
@@ -3433,10 +3433,10 @@
       </p:grpSpPr>
       <p:pic>
         <p:nvPicPr>
-          <p:cNvPr id="4" name="Picture 3">
-            <a:extLst>
-              <a:ext uri="{FF2B5EF4-FFF2-40B4-BE49-F238E27FC236}">
-                <a16:creationId xmlns:a16="http://schemas.microsoft.com/office/drawing/2014/main" id="{8C3C10B5-8EFE-B34C-B086-A33F7EDDAFBD}"/>
+          <p:cNvPr id="5" name="Picture 4">
+            <a:extLst>
+              <a:ext uri="{FF2B5EF4-FFF2-40B4-BE49-F238E27FC236}">
+                <a16:creationId xmlns:a16="http://schemas.microsoft.com/office/drawing/2014/main" id="{74B40032-9FDC-BA49-8C2C-9F1C7A4CB61D}"/>
               </a:ext>
             </a:extLst>
           </p:cNvPr>
